--- a/Schweinberger_UHH_AnalyzingCHNVowels.pptx
+++ b/Schweinberger_UHH_AnalyzingCHNVowels.pptx
@@ -156,6 +156,80 @@
 </p:presentation>
 </file>
 
+<file path=ppt/changesInfos/changesInfo1.xml><?xml version="1.0" encoding="utf-8"?>
+<pc:chgInfo xmlns:a="http://schemas.openxmlformats.org/drawingml/2006/main" xmlns:r="http://schemas.openxmlformats.org/officeDocument/2006/relationships" xmlns:ac="http://schemas.microsoft.com/office/drawing/2013/main/command" xmlns:pc="http://schemas.microsoft.com/office/powerpoint/2013/main/command">
+  <pc:docChgLst>
+    <pc:chgData name="Martin Schweinberger" userId="534fcb08-caff-4996-b3a3-69879a10eae4" providerId="ADAL" clId="{5EA52D4C-1E1F-4438-8855-92DDDA7F504B}"/>
+    <pc:docChg chg="modSld">
+      <pc:chgData name="Martin Schweinberger" userId="534fcb08-caff-4996-b3a3-69879a10eae4" providerId="ADAL" clId="{5EA52D4C-1E1F-4438-8855-92DDDA7F504B}" dt="2024-11-13T11:34:07.790" v="47" actId="20577"/>
+      <pc:docMkLst>
+        <pc:docMk/>
+      </pc:docMkLst>
+      <pc:sldChg chg="modSp mod">
+        <pc:chgData name="Martin Schweinberger" userId="534fcb08-caff-4996-b3a3-69879a10eae4" providerId="ADAL" clId="{5EA52D4C-1E1F-4438-8855-92DDDA7F504B}" dt="2024-11-13T11:34:07.790" v="47" actId="20577"/>
+        <pc:sldMkLst>
+          <pc:docMk/>
+          <pc:sldMk cId="1659069179" sldId="324"/>
+        </pc:sldMkLst>
+        <pc:spChg chg="mod">
+          <ac:chgData name="Martin Schweinberger" userId="534fcb08-caff-4996-b3a3-69879a10eae4" providerId="ADAL" clId="{5EA52D4C-1E1F-4438-8855-92DDDA7F504B}" dt="2024-11-13T11:34:07.790" v="47" actId="20577"/>
+          <ac:spMkLst>
+            <pc:docMk/>
+            <pc:sldMk cId="1659069179" sldId="324"/>
+            <ac:spMk id="6" creationId="{500E62CB-B8BF-2ED1-0E6B-05AA1721A5A3}"/>
+          </ac:spMkLst>
+        </pc:spChg>
+      </pc:sldChg>
+      <pc:sldChg chg="modSp mod">
+        <pc:chgData name="Martin Schweinberger" userId="534fcb08-caff-4996-b3a3-69879a10eae4" providerId="ADAL" clId="{5EA52D4C-1E1F-4438-8855-92DDDA7F504B}" dt="2024-11-13T11:33:06.425" v="3" actId="20577"/>
+        <pc:sldMkLst>
+          <pc:docMk/>
+          <pc:sldMk cId="404373567" sldId="325"/>
+        </pc:sldMkLst>
+        <pc:spChg chg="mod">
+          <ac:chgData name="Martin Schweinberger" userId="534fcb08-caff-4996-b3a3-69879a10eae4" providerId="ADAL" clId="{5EA52D4C-1E1F-4438-8855-92DDDA7F504B}" dt="2024-11-13T11:33:06.425" v="3" actId="20577"/>
+          <ac:spMkLst>
+            <pc:docMk/>
+            <pc:sldMk cId="404373567" sldId="325"/>
+            <ac:spMk id="3" creationId="{0687D020-A7A4-68B8-8E4D-0BFBA78B6AD7}"/>
+          </ac:spMkLst>
+        </pc:spChg>
+      </pc:sldChg>
+      <pc:sldChg chg="modSp mod">
+        <pc:chgData name="Martin Schweinberger" userId="534fcb08-caff-4996-b3a3-69879a10eae4" providerId="ADAL" clId="{5EA52D4C-1E1F-4438-8855-92DDDA7F504B}" dt="2024-11-13T11:33:31.941" v="27" actId="20577"/>
+        <pc:sldMkLst>
+          <pc:docMk/>
+          <pc:sldMk cId="620770014" sldId="342"/>
+        </pc:sldMkLst>
+        <pc:graphicFrameChg chg="modGraphic">
+          <ac:chgData name="Martin Schweinberger" userId="534fcb08-caff-4996-b3a3-69879a10eae4" providerId="ADAL" clId="{5EA52D4C-1E1F-4438-8855-92DDDA7F504B}" dt="2024-11-13T11:33:31.941" v="27" actId="20577"/>
+          <ac:graphicFrameMkLst>
+            <pc:docMk/>
+            <pc:sldMk cId="620770014" sldId="342"/>
+            <ac:graphicFrameMk id="4" creationId="{EEB15839-AF04-A039-4295-CDD47C62C0E7}"/>
+          </ac:graphicFrameMkLst>
+        </pc:graphicFrameChg>
+      </pc:sldChg>
+      <pc:sldChg chg="modSp mod">
+        <pc:chgData name="Martin Schweinberger" userId="534fcb08-caff-4996-b3a3-69879a10eae4" providerId="ADAL" clId="{5EA52D4C-1E1F-4438-8855-92DDDA7F504B}" dt="2024-11-13T11:33:57.046" v="43" actId="20577"/>
+        <pc:sldMkLst>
+          <pc:docMk/>
+          <pc:sldMk cId="3115329595" sldId="350"/>
+        </pc:sldMkLst>
+        <pc:spChg chg="mod">
+          <ac:chgData name="Martin Schweinberger" userId="534fcb08-caff-4996-b3a3-69879a10eae4" providerId="ADAL" clId="{5EA52D4C-1E1F-4438-8855-92DDDA7F504B}" dt="2024-11-13T11:33:57.046" v="43" actId="20577"/>
+          <ac:spMkLst>
+            <pc:docMk/>
+            <pc:sldMk cId="3115329595" sldId="350"/>
+            <ac:spMk id="3" creationId="{0687D020-A7A4-68B8-8E4D-0BFBA78B6AD7}"/>
+          </ac:spMkLst>
+        </pc:spChg>
+      </pc:sldChg>
+    </pc:docChg>
+  </pc:docChgLst>
+</pc:chgInfo>
+</file>
+
 <file path=ppt/handoutMasters/handoutMaster1.xml><?xml version="1.0" encoding="utf-8"?>
 <p:handoutMaster xmlns:a="http://schemas.openxmlformats.org/drawingml/2006/main" xmlns:r="http://schemas.openxmlformats.org/officeDocument/2006/relationships" xmlns:p="http://schemas.openxmlformats.org/presentationml/2006/main">
   <p:cSld>
@@ -238,7 +312,7 @@
           <a:p>
             <a:fld id="{043B725B-653D-4166-A8E9-72A38A1847CF}" type="datetimeFigureOut">
               <a:rPr lang="en-US"/>
-              <a:t>11/11/2024</a:t>
+              <a:t>11/13/2024</a:t>
             </a:fld>
             <a:endParaRPr/>
           </a:p>
@@ -403,7 +477,7 @@
           <a:p>
             <a:fld id="{783F64CD-0576-4A9A-BD06-7889D6E60BDC}" type="datetimeFigureOut">
               <a:rPr lang="en-US"/>
-              <a:t>11/11/2024</a:t>
+              <a:t>11/13/2024</a:t>
             </a:fld>
             <a:endParaRPr/>
           </a:p>
@@ -1528,7 +1602,7 @@
             <a:fld id="{37CC0096-1860-4642-9CD2-0079EA5E7CD1}" type="datetimeFigureOut">
               <a:rPr lang="en-US" smtClean="0"/>
               <a:pPr/>
-              <a:t>11/11/2024</a:t>
+              <a:t>11/13/2024</a:t>
             </a:fld>
             <a:endParaRPr lang="en-US" dirty="0"/>
           </a:p>
@@ -1982,7 +2056,7 @@
             <a:fld id="{37CC0096-1860-4642-9CD2-0079EA5E7CD1}" type="datetimeFigureOut">
               <a:rPr lang="en-US" smtClean="0"/>
               <a:pPr/>
-              <a:t>11/11/2024</a:t>
+              <a:t>11/13/2024</a:t>
             </a:fld>
             <a:endParaRPr lang="en-US" dirty="0"/>
           </a:p>
@@ -2524,7 +2598,7 @@
             <a:fld id="{37CC0096-1860-4642-9CD2-0079EA5E7CD1}" type="datetimeFigureOut">
               <a:rPr lang="en-US" smtClean="0"/>
               <a:pPr/>
-              <a:t>11/11/2024</a:t>
+              <a:t>11/13/2024</a:t>
             </a:fld>
             <a:endParaRPr lang="en-US" dirty="0"/>
           </a:p>
@@ -3000,7 +3074,7 @@
             <a:fld id="{37CC0096-1860-4642-9CD2-0079EA5E7CD1}" type="datetimeFigureOut">
               <a:rPr lang="en-US" smtClean="0"/>
               <a:pPr/>
-              <a:t>11/11/2024</a:t>
+              <a:t>11/13/2024</a:t>
             </a:fld>
             <a:endParaRPr lang="en-US" dirty="0"/>
           </a:p>
@@ -3476,7 +3550,7 @@
             <a:fld id="{37CC0096-1860-4642-9CD2-0079EA5E7CD1}" type="datetimeFigureOut">
               <a:rPr lang="en-US" smtClean="0"/>
               <a:pPr/>
-              <a:t>11/11/2024</a:t>
+              <a:t>11/13/2024</a:t>
             </a:fld>
             <a:endParaRPr lang="en-US" dirty="0"/>
           </a:p>
@@ -3920,7 +3994,7 @@
             <a:fld id="{37CC0096-1860-4642-9CD2-0079EA5E7CD1}" type="datetimeFigureOut">
               <a:rPr lang="en-US" smtClean="0"/>
               <a:pPr/>
-              <a:t>11/11/2024</a:t>
+              <a:t>11/13/2024</a:t>
             </a:fld>
             <a:endParaRPr lang="en-US" dirty="0"/>
           </a:p>
@@ -4372,7 +4446,7 @@
             <a:fld id="{37CC0096-1860-4642-9CD2-0079EA5E7CD1}" type="datetimeFigureOut">
               <a:rPr lang="en-US" smtClean="0"/>
               <a:pPr/>
-              <a:t>11/11/2024</a:t>
+              <a:t>11/13/2024</a:t>
             </a:fld>
             <a:endParaRPr lang="en-US" dirty="0"/>
           </a:p>
@@ -5294,7 +5368,7 @@
             <a:fld id="{37CC0096-1860-4642-9CD2-0079EA5E7CD1}" type="datetimeFigureOut">
               <a:rPr lang="en-US" smtClean="0"/>
               <a:pPr/>
-              <a:t>11/11/2024</a:t>
+              <a:t>11/13/2024</a:t>
             </a:fld>
             <a:endParaRPr lang="en-US" dirty="0"/>
           </a:p>
@@ -6495,7 +6569,7 @@
             <a:fld id="{37CC0096-1860-4642-9CD2-0079EA5E7CD1}" type="datetimeFigureOut">
               <a:rPr lang="en-US" smtClean="0"/>
               <a:pPr/>
-              <a:t>11/11/2024</a:t>
+              <a:t>11/13/2024</a:t>
             </a:fld>
             <a:endParaRPr lang="en-US" dirty="0"/>
           </a:p>
@@ -7600,7 +7674,7 @@
             <a:fld id="{37CC0096-1860-4642-9CD2-0079EA5E7CD1}" type="datetimeFigureOut">
               <a:rPr lang="en-US" smtClean="0"/>
               <a:pPr/>
-              <a:t>11/11/2024</a:t>
+              <a:t>11/13/2024</a:t>
             </a:fld>
             <a:endParaRPr lang="en-US" dirty="0"/>
           </a:p>
@@ -9086,7 +9160,7 @@
             <a:fld id="{37CC0096-1860-4642-9CD2-0079EA5E7CD1}" type="datetimeFigureOut">
               <a:rPr lang="en-US" smtClean="0"/>
               <a:pPr/>
-              <a:t>11/11/2024</a:t>
+              <a:t>11/13/2024</a:t>
             </a:fld>
             <a:endParaRPr lang="en-US" dirty="0"/>
           </a:p>
@@ -10228,7 +10302,7 @@
             <a:fld id="{37CC0096-1860-4642-9CD2-0079EA5E7CD1}" type="datetimeFigureOut">
               <a:rPr lang="en-US" smtClean="0"/>
               <a:pPr/>
-              <a:t>11/11/2024</a:t>
+              <a:t>11/13/2024</a:t>
             </a:fld>
             <a:endParaRPr lang="en-US" dirty="0"/>
           </a:p>
@@ -11671,7 +11745,7 @@
             <a:fld id="{37CC0096-1860-4642-9CD2-0079EA5E7CD1}" type="datetimeFigureOut">
               <a:rPr lang="en-US" smtClean="0"/>
               <a:pPr/>
-              <a:t>11/11/2024</a:t>
+              <a:t>11/13/2024</a:t>
             </a:fld>
             <a:endParaRPr lang="en-US" dirty="0"/>
           </a:p>
@@ -12250,7 +12324,7 @@
             <a:fld id="{37CC0096-1860-4642-9CD2-0079EA5E7CD1}" type="datetimeFigureOut">
               <a:rPr lang="en-US" smtClean="0"/>
               <a:pPr/>
-              <a:t>11/11/2024</a:t>
+              <a:t>11/13/2024</a:t>
             </a:fld>
             <a:endParaRPr lang="en-US" dirty="0"/>
           </a:p>
@@ -12897,7 +12971,7 @@
             <a:fld id="{37CC0096-1860-4642-9CD2-0079EA5E7CD1}" type="datetimeFigureOut">
               <a:rPr lang="en-US" smtClean="0"/>
               <a:pPr/>
-              <a:t>11/11/2024</a:t>
+              <a:t>11/13/2024</a:t>
             </a:fld>
             <a:endParaRPr lang="en-US" dirty="0"/>
           </a:p>
@@ -14315,7 +14389,7 @@
             <a:fld id="{37CC0096-1860-4642-9CD2-0079EA5E7CD1}" type="datetimeFigureOut">
               <a:rPr lang="en-US" smtClean="0"/>
               <a:pPr/>
-              <a:t>11/11/2024</a:t>
+              <a:t>11/13/2024</a:t>
             </a:fld>
             <a:endParaRPr lang="en-US" dirty="0"/>
           </a:p>
@@ -15467,7 +15541,7 @@
             <a:fld id="{37CC0096-1860-4642-9CD2-0079EA5E7CD1}" type="datetimeFigureOut">
               <a:rPr lang="en-US" smtClean="0"/>
               <a:pPr/>
-              <a:t>11/11/2024</a:t>
+              <a:t>11/13/2024</a:t>
             </a:fld>
             <a:endParaRPr lang="en-US" dirty="0"/>
           </a:p>
@@ -15904,7 +15978,7 @@
             <a:fld id="{37CC0096-1860-4642-9CD2-0079EA5E7CD1}" type="datetimeFigureOut">
               <a:rPr lang="en-US" smtClean="0"/>
               <a:pPr/>
-              <a:t>11/11/2024</a:t>
+              <a:t>11/13/2024</a:t>
             </a:fld>
             <a:endParaRPr lang="en-US" dirty="0"/>
           </a:p>
@@ -16338,7 +16412,7 @@
             <a:fld id="{37CC0096-1860-4642-9CD2-0079EA5E7CD1}" type="datetimeFigureOut">
               <a:rPr lang="en-US" smtClean="0"/>
               <a:pPr/>
-              <a:t>11/11/2024</a:t>
+              <a:t>11/13/2024</a:t>
             </a:fld>
             <a:endParaRPr lang="en-US" dirty="0"/>
           </a:p>
@@ -16772,7 +16846,7 @@
             <a:fld id="{37CC0096-1860-4642-9CD2-0079EA5E7CD1}" type="datetimeFigureOut">
               <a:rPr lang="en-US" smtClean="0"/>
               <a:pPr/>
-              <a:t>11/11/2024</a:t>
+              <a:t>11/13/2024</a:t>
             </a:fld>
             <a:endParaRPr lang="en-US" dirty="0"/>
           </a:p>
@@ -17849,7 +17923,7 @@
             <a:fld id="{37CC0096-1860-4642-9CD2-0079EA5E7CD1}" type="datetimeFigureOut">
               <a:rPr lang="en-US" smtClean="0"/>
               <a:pPr/>
-              <a:t>11/11/2024</a:t>
+              <a:t>11/13/2024</a:t>
             </a:fld>
             <a:endParaRPr lang="en-US" dirty="0"/>
           </a:p>
@@ -18310,7 +18384,7 @@
             <a:fld id="{37CC0096-1860-4642-9CD2-0079EA5E7CD1}" type="datetimeFigureOut">
               <a:rPr lang="en-US" smtClean="0"/>
               <a:pPr/>
-              <a:t>11/11/2024</a:t>
+              <a:t>11/13/2024</a:t>
             </a:fld>
             <a:endParaRPr lang="en-US" dirty="0"/>
           </a:p>
@@ -18891,7 +18965,7 @@
             <a:fld id="{37CC0096-1860-4642-9CD2-0079EA5E7CD1}" type="datetimeFigureOut">
               <a:rPr lang="en-US" smtClean="0"/>
               <a:pPr/>
-              <a:t>11/11/2024</a:t>
+              <a:t>11/13/2024</a:t>
             </a:fld>
             <a:endParaRPr lang="en-US" dirty="0"/>
           </a:p>
@@ -19572,7 +19646,7 @@
             <a:fld id="{37CC0096-1860-4642-9CD2-0079EA5E7CD1}" type="datetimeFigureOut">
               <a:rPr lang="en-US" smtClean="0"/>
               <a:pPr/>
-              <a:t>11/11/2024</a:t>
+              <a:t>11/13/2024</a:t>
             </a:fld>
             <a:endParaRPr lang="en-US" dirty="0"/>
           </a:p>
@@ -19868,7 +19942,7 @@
             <a:fld id="{37CC0096-1860-4642-9CD2-0079EA5E7CD1}" type="datetimeFigureOut">
               <a:rPr lang="en-US" smtClean="0"/>
               <a:pPr/>
-              <a:t>11/11/2024</a:t>
+              <a:t>11/13/2024</a:t>
             </a:fld>
             <a:endParaRPr lang="en-US" dirty="0"/>
           </a:p>
@@ -22478,7 +22552,7 @@
           <a:p>
             <a:fld id="{37CC0096-1860-4642-9CD2-0079EA5E7CD1}" type="datetimeFigureOut">
               <a:rPr lang="en-US"/>
-              <a:t>11/11/2024</a:t>
+              <a:t>11/13/2024</a:t>
             </a:fld>
             <a:endParaRPr/>
           </a:p>
@@ -22585,7 +22659,7 @@
           <a:p>
             <a:fld id="{37CC0096-1860-4642-9CD2-0079EA5E7CD1}" type="datetimeFigureOut">
               <a:rPr lang="en-US"/>
-              <a:t>11/11/2024</a:t>
+              <a:t>11/13/2024</a:t>
             </a:fld>
             <a:endParaRPr/>
           </a:p>
@@ -24211,7 +24285,7 @@
             <a:fld id="{37CC0096-1860-4642-9CD2-0079EA5E7CD1}" type="datetimeFigureOut">
               <a:rPr lang="en-US" smtClean="0"/>
               <a:pPr/>
-              <a:t>11/11/2024</a:t>
+              <a:t>11/13/2024</a:t>
             </a:fld>
             <a:endParaRPr lang="en-US" dirty="0"/>
           </a:p>
@@ -24649,7 +24723,7 @@
             <a:fld id="{37CC0096-1860-4642-9CD2-0079EA5E7CD1}" type="datetimeFigureOut">
               <a:rPr lang="en-US" smtClean="0"/>
               <a:pPr/>
-              <a:t>11/11/2024</a:t>
+              <a:t>11/13/2024</a:t>
             </a:fld>
             <a:endParaRPr lang="en-US" dirty="0"/>
           </a:p>
@@ -25070,7 +25144,7 @@
             <a:fld id="{37CC0096-1860-4642-9CD2-0079EA5E7CD1}" type="datetimeFigureOut">
               <a:rPr lang="en-US" smtClean="0"/>
               <a:pPr/>
-              <a:t>11/11/2024</a:t>
+              <a:t>11/13/2024</a:t>
             </a:fld>
             <a:endParaRPr lang="en-US" dirty="0"/>
           </a:p>
@@ -25502,7 +25576,7 @@
             <a:fld id="{37CC0096-1860-4642-9CD2-0079EA5E7CD1}" type="datetimeFigureOut">
               <a:rPr lang="en-US" smtClean="0"/>
               <a:pPr/>
-              <a:t>11/11/2024</a:t>
+              <a:t>11/13/2024</a:t>
             </a:fld>
             <a:endParaRPr lang="en-US" dirty="0"/>
           </a:p>
@@ -25829,7 +25903,7 @@
             <a:fld id="{37CC0096-1860-4642-9CD2-0079EA5E7CD1}" type="datetimeFigureOut">
               <a:rPr lang="en-US" smtClean="0"/>
               <a:pPr/>
-              <a:t>11/11/2024</a:t>
+              <a:t>11/13/2024</a:t>
             </a:fld>
             <a:endParaRPr lang="en-US" dirty="0"/>
           </a:p>
@@ -26917,11 +26991,11 @@
             </a:r>
             <a:r>
               <a:rPr lang="en-US" dirty="0"/>
-              <a:t>were removed (/</a:t>
+              <a:t>were removed ([</a:t>
             </a:r>
             <a:r>
               <a:rPr lang="nl-NL" dirty="0"/>
-              <a:t>ɜ ɑ ɔ/</a:t>
+              <a:t>ɜ ɑ ɔ]</a:t>
             </a:r>
             <a:r>
               <a:rPr lang="en-US" dirty="0"/>
@@ -28295,7 +28369,7 @@
           <p:nvPr>
             <p:extLst>
               <p:ext uri="{D42A27DB-BD31-4B8C-83A1-F6EECF244321}">
-                <p14:modId xmlns:p14="http://schemas.microsoft.com/office/powerpoint/2010/main" val="3844354613"/>
+                <p14:modId xmlns:p14="http://schemas.microsoft.com/office/powerpoint/2010/main" val="763818588"/>
               </p:ext>
             </p:extLst>
           </p:nvPr>
@@ -28472,7 +28546,7 @@
                         <a:rPr lang="en-AU" sz="1800" b="1" u="none" strike="noStrike" dirty="0">
                           <a:effectLst/>
                         </a:rPr>
-                        <a:t>/æ/</a:t>
+                        <a:t>[æ]</a:t>
                       </a:r>
                       <a:endParaRPr lang="en-AU" sz="1800" b="1" i="0" u="none" strike="noStrike" dirty="0">
                         <a:solidFill>
@@ -28515,7 +28589,7 @@
                         <a:rPr lang="en-AU" sz="1800" b="1" u="none" strike="noStrike" dirty="0">
                           <a:effectLst/>
                         </a:rPr>
-                        <a:t>/ɛ/</a:t>
+                        <a:t>[ɛ]</a:t>
                       </a:r>
                       <a:endParaRPr lang="en-AU" sz="1800" b="1" i="0" u="none" strike="noStrike" dirty="0">
                         <a:solidFill>
@@ -28558,7 +28632,7 @@
                         <a:rPr lang="en-AU" sz="1800" b="1" u="none" strike="noStrike" dirty="0">
                           <a:effectLst/>
                         </a:rPr>
-                        <a:t>/i/</a:t>
+                        <a:t>[i]</a:t>
                       </a:r>
                       <a:endParaRPr lang="en-AU" sz="1800" b="1" i="0" u="none" strike="noStrike" dirty="0">
                         <a:solidFill>
@@ -28601,7 +28675,7 @@
                         <a:rPr lang="en-AU" sz="1800" b="1" u="none" strike="noStrike" dirty="0">
                           <a:effectLst/>
                         </a:rPr>
-                        <a:t>/ɪ/</a:t>
+                        <a:t>[ɪ]</a:t>
                       </a:r>
                       <a:endParaRPr lang="en-AU" sz="1800" b="1" i="0" u="none" strike="noStrike" dirty="0">
                         <a:solidFill>
@@ -28644,7 +28718,7 @@
                         <a:rPr lang="en-AU" sz="1800" b="1" u="none" strike="noStrike" dirty="0">
                           <a:effectLst/>
                         </a:rPr>
-                        <a:t>/u/</a:t>
+                        <a:t>[u]</a:t>
                       </a:r>
                       <a:endParaRPr lang="en-AU" sz="1800" b="1" i="0" u="none" strike="noStrike" dirty="0">
                         <a:solidFill>
@@ -28687,7 +28761,7 @@
                         <a:rPr lang="en-AU" sz="1800" b="1" u="none" strike="noStrike" dirty="0">
                           <a:effectLst/>
                         </a:rPr>
-                        <a:t>/ʊ/</a:t>
+                        <a:t>[ʊ]</a:t>
                       </a:r>
                       <a:endParaRPr lang="en-AU" sz="1800" b="1" i="0" u="none" strike="noStrike" dirty="0">
                         <a:solidFill>
@@ -32564,14 +32638,14 @@
             <a:pPr marL="645750" lvl="2" indent="-285750"/>
             <a:r>
               <a:rPr lang="en-AU" dirty="0"/>
-              <a:t>between /ɪ/ and /iː/</a:t>
+              <a:t>between [ɪ] and [iː]</a:t>
             </a:r>
           </a:p>
           <a:p>
             <a:pPr marL="645750" lvl="2" indent="-285750"/>
             <a:r>
               <a:rPr lang="en-AU" dirty="0"/>
-              <a:t>between /ɛ/ and /æ/</a:t>
+              <a:t>between [ɛ] and [æ]</a:t>
             </a:r>
           </a:p>
         </p:txBody>
@@ -34335,8 +34409,13 @@
             </a:pPr>
             <a:r>
               <a:rPr lang="en-AU" dirty="0"/>
-              <a:t>Low frequency of vowels/words in input (/ʊ uː/) </a:t>
-            </a:r>
+              <a:t>Low frequency of vowels/words in </a:t>
+            </a:r>
+            <a:r>
+              <a:rPr lang="en-AU"/>
+              <a:t>input ([ʊ uː]) </a:t>
+            </a:r>
+            <a:endParaRPr lang="en-AU" dirty="0"/>
           </a:p>
           <a:p>
             <a:pPr marL="285750" indent="-285750">
